--- a/Pocket Chef Presentation2 edited slides 1-3.pptx
+++ b/Pocket Chef Presentation2 edited slides 1-3.pptx
@@ -111,7 +111,7 @@
   </p:defaultTextStyle>
   <p:extLst>
     <p:ext uri="{EFAFB233-063F-42B5-8137-9DF3F51BA10A}">
-      <p15:sldGuideLst xmlns:p15="http://schemas.microsoft.com/office/powerpoint/2012/main"/>
+      <p15:sldGuideLst xmlns:p15="http://schemas.microsoft.com/office/powerpoint/2012/main" xmlns=""/>
     </p:ext>
   </p:extLst>
 </p:presentation>
@@ -408,7 +408,7 @@
           <a:p>
             <a:fld id="{BA035BE2-8B57-421B-A3F0-969438867093}" type="datetimeFigureOut">
               <a:rPr lang="en-US" smtClean="0"/>
-              <a:t>3/23/2017</a:t>
+              <a:t>3/24/2017</a:t>
             </a:fld>
             <a:endParaRPr lang="en-US"/>
           </a:p>
@@ -604,7 +604,7 @@
           <a:p>
             <a:fld id="{BA035BE2-8B57-421B-A3F0-969438867093}" type="datetimeFigureOut">
               <a:rPr lang="en-US" smtClean="0"/>
-              <a:t>3/23/2017</a:t>
+              <a:t>3/24/2017</a:t>
             </a:fld>
             <a:endParaRPr lang="en-US"/>
           </a:p>
@@ -794,7 +794,7 @@
           <a:p>
             <a:fld id="{BA035BE2-8B57-421B-A3F0-969438867093}" type="datetimeFigureOut">
               <a:rPr lang="en-US" smtClean="0"/>
-              <a:t>3/23/2017</a:t>
+              <a:t>3/24/2017</a:t>
             </a:fld>
             <a:endParaRPr lang="en-US"/>
           </a:p>
@@ -1062,7 +1062,7 @@
           <a:p>
             <a:fld id="{BA035BE2-8B57-421B-A3F0-969438867093}" type="datetimeFigureOut">
               <a:rPr lang="en-US" smtClean="0"/>
-              <a:t>3/23/2017</a:t>
+              <a:t>3/24/2017</a:t>
             </a:fld>
             <a:endParaRPr lang="en-US"/>
           </a:p>
@@ -1483,7 +1483,7 @@
           <a:p>
             <a:fld id="{BA035BE2-8B57-421B-A3F0-969438867093}" type="datetimeFigureOut">
               <a:rPr lang="en-US" smtClean="0"/>
-              <a:t>3/23/2017</a:t>
+              <a:t>3/24/2017</a:t>
             </a:fld>
             <a:endParaRPr lang="en-US"/>
           </a:p>
@@ -1730,7 +1730,7 @@
           <a:p>
             <a:fld id="{BA035BE2-8B57-421B-A3F0-969438867093}" type="datetimeFigureOut">
               <a:rPr lang="en-US" smtClean="0"/>
-              <a:t>3/23/2017</a:t>
+              <a:t>3/24/2017</a:t>
             </a:fld>
             <a:endParaRPr lang="en-US"/>
           </a:p>
@@ -1971,7 +1971,7 @@
           <a:p>
             <a:fld id="{BA035BE2-8B57-421B-A3F0-969438867093}" type="datetimeFigureOut">
               <a:rPr lang="en-US" smtClean="0"/>
-              <a:t>3/23/2017</a:t>
+              <a:t>3/24/2017</a:t>
             </a:fld>
             <a:endParaRPr lang="en-US"/>
           </a:p>
@@ -2171,7 +2171,7 @@
           <a:p>
             <a:fld id="{BA035BE2-8B57-421B-A3F0-969438867093}" type="datetimeFigureOut">
               <a:rPr lang="en-US" smtClean="0"/>
-              <a:t>3/23/2017</a:t>
+              <a:t>3/24/2017</a:t>
             </a:fld>
             <a:endParaRPr lang="en-US"/>
           </a:p>
@@ -2274,7 +2274,7 @@
           <a:p>
             <a:fld id="{BA035BE2-8B57-421B-A3F0-969438867093}" type="datetimeFigureOut">
               <a:rPr lang="en-US" smtClean="0"/>
-              <a:t>3/23/2017</a:t>
+              <a:t>3/24/2017</a:t>
             </a:fld>
             <a:endParaRPr lang="en-US"/>
           </a:p>
@@ -2415,7 +2415,7 @@
           <a:p>
             <a:fld id="{BA035BE2-8B57-421B-A3F0-969438867093}" type="datetimeFigureOut">
               <a:rPr lang="en-US" smtClean="0"/>
-              <a:t>3/23/2017</a:t>
+              <a:t>3/24/2017</a:t>
             </a:fld>
             <a:endParaRPr lang="en-US"/>
           </a:p>
@@ -2938,7 +2938,7 @@
           <a:p>
             <a:fld id="{BA035BE2-8B57-421B-A3F0-969438867093}" type="datetimeFigureOut">
               <a:rPr lang="en-US" smtClean="0"/>
-              <a:t>3/23/2017</a:t>
+              <a:t>3/24/2017</a:t>
             </a:fld>
             <a:endParaRPr lang="en-US"/>
           </a:p>
@@ -3204,7 +3204,7 @@
           <a:p>
             <a:fld id="{BA035BE2-8B57-421B-A3F0-969438867093}" type="datetimeFigureOut">
               <a:rPr lang="en-US" smtClean="0"/>
-              <a:t>3/23/2017</a:t>
+              <a:t>3/24/2017</a:t>
             </a:fld>
             <a:endParaRPr lang="en-US"/>
           </a:p>
@@ -4089,25 +4089,21 @@
           <a:p>
             <a:r>
               <a:rPr lang="en-US" dirty="0" smtClean="0"/>
-              <a:t>The Pocket Chef app shall hold and easily display recipes entered by the </a:t>
+              <a:t>The Pocket Chef app shall hold and easily display recipes entered by the user</a:t>
+            </a:r>
+          </a:p>
+          <a:p>
+            <a:r>
+              <a:rPr lang="en-US" smtClean="0"/>
+              <a:t>Future </a:t>
+            </a:r>
+            <a:r>
+              <a:rPr lang="en-US" smtClean="0"/>
+              <a:t>requirements </a:t>
             </a:r>
             <a:r>
               <a:rPr lang="en-US" dirty="0" smtClean="0"/>
-              <a:t>user</a:t>
-            </a:r>
-          </a:p>
-          <a:p>
-            <a:r>
-              <a:rPr lang="en-US" dirty="0" smtClean="0"/>
-              <a:t>Future re	</a:t>
-            </a:r>
-            <a:r>
-              <a:rPr lang="en-US" dirty="0" err="1" smtClean="0"/>
-              <a:t>quirements</a:t>
-            </a:r>
-            <a:r>
-              <a:rPr lang="en-US" dirty="0" smtClean="0"/>
-              <a:t> include being </a:t>
+              <a:t>include being </a:t>
             </a:r>
           </a:p>
           <a:p>
